--- a/02-UML.pptx
+++ b/02-UML.pptx
@@ -262,7 +262,7 @@
           <a:p>
             <a:fld id="{761991DB-DEE8-4174-9435-9D9F721C6C6A}" type="datetimeFigureOut">
               <a:rPr lang="en-US"/>
-              <a:t>1/18/2015</a:t>
+              <a:t>1/21/2015</a:t>
             </a:fld>
             <a:endParaRPr lang="en-US"/>
           </a:p>
@@ -1890,7 +1890,7 @@
             <a:fld id="{5586B75A-687E-405C-8A0B-8D00578BA2C3}" type="datetimeFigureOut">
               <a:rPr lang="en-US" smtClean="0"/>
               <a:pPr/>
-              <a:t>1/18/2015</a:t>
+              <a:t>1/21/2015</a:t>
             </a:fld>
             <a:endParaRPr lang="en-US" dirty="0"/>
           </a:p>
@@ -2093,7 +2093,7 @@
           <a:p>
             <a:fld id="{5F4E5243-F52A-4D37-9694-EB26C6C31910}" type="datetimeFigureOut">
               <a:rPr lang="en-US" smtClean="0"/>
-              <a:t>1/18/2015</a:t>
+              <a:t>1/21/2015</a:t>
             </a:fld>
             <a:endParaRPr lang="en-US" dirty="0"/>
           </a:p>
@@ -2285,7 +2285,7 @@
           <a:p>
             <a:fld id="{3A77B6E1-634A-48DC-9E8B-D894023267EF}" type="datetimeFigureOut">
               <a:rPr lang="en-US" smtClean="0"/>
-              <a:t>1/18/2015</a:t>
+              <a:t>1/21/2015</a:t>
             </a:fld>
             <a:endParaRPr lang="en-US" dirty="0"/>
           </a:p>
@@ -2467,7 +2467,7 @@
           <a:p>
             <a:fld id="{7B2D3E9E-A95C-48F2-B4BF-A71542E0BE9A}" type="datetimeFigureOut">
               <a:rPr lang="en-US" smtClean="0"/>
-              <a:t>1/18/2015</a:t>
+              <a:t>1/21/2015</a:t>
             </a:fld>
             <a:endParaRPr lang="en-US" dirty="0"/>
           </a:p>
@@ -2736,7 +2736,7 @@
             <a:fld id="{5586B75A-687E-405C-8A0B-8D00578BA2C3}" type="datetimeFigureOut">
               <a:rPr lang="en-US" smtClean="0"/>
               <a:pPr/>
-              <a:t>1/18/2015</a:t>
+              <a:t>1/21/2015</a:t>
             </a:fld>
             <a:endParaRPr lang="en-US" dirty="0"/>
           </a:p>
@@ -3037,7 +3037,7 @@
           <a:p>
             <a:fld id="{F12952B5-7A2F-4CC8-B7CE-9234E21C2837}" type="datetimeFigureOut">
               <a:rPr lang="en-US" smtClean="0"/>
-              <a:t>1/18/2015</a:t>
+              <a:t>1/21/2015</a:t>
             </a:fld>
             <a:endParaRPr lang="en-US" dirty="0"/>
           </a:p>
@@ -3487,7 +3487,7 @@
           <a:p>
             <a:fld id="{CE1DA07A-9201-4B4B-BAF2-015AFA30F520}" type="datetimeFigureOut">
               <a:rPr lang="en-US" smtClean="0"/>
-              <a:t>1/18/2015</a:t>
+              <a:t>1/21/2015</a:t>
             </a:fld>
             <a:endParaRPr lang="en-US" dirty="0"/>
           </a:p>
@@ -3617,7 +3617,7 @@
           <a:p>
             <a:fld id="{73D7E00A-486F-4252-8B1D-E32645521F49}" type="datetimeFigureOut">
               <a:rPr lang="en-US" smtClean="0"/>
-              <a:t>1/18/2015</a:t>
+              <a:t>1/21/2015</a:t>
             </a:fld>
             <a:endParaRPr lang="en-US" dirty="0"/>
           </a:p>
@@ -3724,7 +3724,7 @@
           <a:p>
             <a:fld id="{8DDF5F92-E675-4B36-9A60-69A962A68675}" type="datetimeFigureOut">
               <a:rPr lang="en-US" smtClean="0"/>
-              <a:t>1/18/2015</a:t>
+              <a:t>1/21/2015</a:t>
             </a:fld>
             <a:endParaRPr lang="en-US" dirty="0"/>
           </a:p>
@@ -4092,7 +4092,7 @@
           <a:p>
             <a:fld id="{AF6E2C9B-5FA2-460D-9BE7-B0812FC2A6FF}" type="datetimeFigureOut">
               <a:rPr lang="en-US" smtClean="0"/>
-              <a:t>1/18/2015</a:t>
+              <a:t>1/21/2015</a:t>
             </a:fld>
             <a:endParaRPr lang="en-US" dirty="0"/>
           </a:p>
@@ -4422,7 +4422,7 @@
             <a:fld id="{5586B75A-687E-405C-8A0B-8D00578BA2C3}" type="datetimeFigureOut">
               <a:rPr lang="en-US" smtClean="0"/>
               <a:pPr/>
-              <a:t>1/18/2015</a:t>
+              <a:t>1/21/2015</a:t>
             </a:fld>
             <a:endParaRPr lang="en-US" dirty="0"/>
           </a:p>
@@ -4669,7 +4669,7 @@
             <a:fld id="{5586B75A-687E-405C-8A0B-8D00578BA2C3}" type="datetimeFigureOut">
               <a:rPr lang="en-US" smtClean="0"/>
               <a:pPr/>
-              <a:t>1/18/2015</a:t>
+              <a:t>1/21/2015</a:t>
             </a:fld>
             <a:endParaRPr lang="en-US" dirty="0"/>
           </a:p>
@@ -5640,8 +5640,8 @@
         </p:blipFill>
         <p:spPr bwMode="auto">
           <a:xfrm>
-            <a:off x="4152289" y="2011363"/>
-            <a:ext cx="3801697" cy="3767137"/>
+            <a:off x="3637938" y="285221"/>
+            <a:ext cx="6734786" cy="6673562"/>
           </a:xfrm>
           <a:prstGeom prst="rect">
             <a:avLst/>
@@ -5772,11 +5772,11 @@
   <p:clrMapOvr>
     <a:masterClrMapping/>
   </p:clrMapOvr>
-  <mc:AlternateContent xmlns:mc="http://schemas.openxmlformats.org/markup-compatibility/2006">
-    <mc:Choice xmlns:p14="http://schemas.microsoft.com/office/powerpoint/2010/main" Requires="p14">
+  <mc:AlternateContent xmlns:mc="http://schemas.openxmlformats.org/markup-compatibility/2006" xmlns:p14="http://schemas.microsoft.com/office/powerpoint/2010/main">
+    <mc:Choice Requires="p14">
       <p:transition p14:dur="0"/>
     </mc:Choice>
-    <mc:Fallback>
+    <mc:Fallback xmlns="">
       <p:transition/>
     </mc:Fallback>
   </mc:AlternateContent>
@@ -9018,8 +9018,8 @@
         </p:blipFill>
         <p:spPr bwMode="auto">
           <a:xfrm>
-            <a:off x="6043611" y="2584482"/>
-            <a:ext cx="5848350" cy="2400301"/>
+            <a:off x="3014661" y="2172019"/>
+            <a:ext cx="9537602" cy="3914457"/>
           </a:xfrm>
           <a:prstGeom prst="rect">
             <a:avLst/>
